--- a/Reference materials/Advanced JAVA/01 User Defined Exception.pptx
+++ b/Reference materials/Advanced JAVA/01 User Defined Exception.pptx
@@ -212,7 +212,7 @@
           <a:p>
             <a:fld id="{CBDFB359-B0C7-4C2A-B5E6-DC0AAC7DC740}" type="datetimeFigureOut">
               <a:rPr lang="en-IN" smtClean="0"/>
-              <a:t>25-02-2019</a:t>
+              <a:t>16-06-2021</a:t>
             </a:fld>
             <a:endParaRPr lang="en-IN"/>
           </a:p>
@@ -276,35 +276,35 @@
           <a:p>
             <a:pPr lvl="0"/>
             <a:r>
-              <a:rPr lang="en-US" smtClean="0"/>
+              <a:rPr lang="en-US"/>
               <a:t>Click to edit Master text styles</a:t>
             </a:r>
           </a:p>
           <a:p>
             <a:pPr lvl="1"/>
             <a:r>
-              <a:rPr lang="en-US" smtClean="0"/>
+              <a:rPr lang="en-US"/>
               <a:t>Second level</a:t>
             </a:r>
           </a:p>
           <a:p>
             <a:pPr lvl="2"/>
             <a:r>
-              <a:rPr lang="en-US" smtClean="0"/>
+              <a:rPr lang="en-US"/>
               <a:t>Third level</a:t>
             </a:r>
           </a:p>
           <a:p>
             <a:pPr lvl="3"/>
             <a:r>
-              <a:rPr lang="en-US" smtClean="0"/>
+              <a:rPr lang="en-US"/>
               <a:t>Fourth level</a:t>
             </a:r>
           </a:p>
           <a:p>
             <a:pPr lvl="4"/>
             <a:r>
-              <a:rPr lang="en-US" smtClean="0"/>
+              <a:rPr lang="en-US"/>
               <a:t>Fifth level</a:t>
             </a:r>
             <a:endParaRPr lang="en-IN"/>
@@ -650,10 +650,9 @@
           </a:lstStyle>
           <a:p>
             <a:r>
-              <a:rPr kumimoji="0" lang="en-US" smtClean="0"/>
+              <a:rPr kumimoji="0" lang="en-US"/>
               <a:t>Click to edit Master subtitle style</a:t>
             </a:r>
-            <a:endParaRPr kumimoji="0" lang="en-US"/>
           </a:p>
         </p:txBody>
       </p:sp>
@@ -675,7 +674,7 @@
             <a:fld id="{1D8BD707-D9CF-40AE-B4C6-C98DA3205C09}" type="datetimeFigureOut">
               <a:rPr lang="en-US" smtClean="0"/>
               <a:pPr/>
-              <a:t>2/25/2019</a:t>
+              <a:t>6/16/2021</a:t>
             </a:fld>
             <a:endParaRPr lang="en-US"/>
           </a:p>
@@ -905,10 +904,9 @@
           </a:lstStyle>
           <a:p>
             <a:r>
-              <a:rPr kumimoji="0" lang="en-US" smtClean="0"/>
+              <a:rPr kumimoji="0" lang="en-US"/>
               <a:t>Click to edit Master title style</a:t>
             </a:r>
-            <a:endParaRPr kumimoji="0" lang="en-US"/>
           </a:p>
         </p:txBody>
       </p:sp>
@@ -953,10 +951,9 @@
           <a:lstStyle/>
           <a:p>
             <a:r>
-              <a:rPr kumimoji="0" lang="en-US" smtClean="0"/>
+              <a:rPr kumimoji="0" lang="en-US"/>
               <a:t>Click to edit Master title style</a:t>
             </a:r>
-            <a:endParaRPr kumimoji="0" lang="en-US"/>
           </a:p>
         </p:txBody>
       </p:sp>
@@ -977,35 +974,35 @@
           <a:p>
             <a:pPr lvl="0" eaLnBrk="1" latinLnBrk="0" hangingPunct="1"/>
             <a:r>
-              <a:rPr lang="en-US" smtClean="0"/>
+              <a:rPr lang="en-US"/>
               <a:t>Click to edit Master text styles</a:t>
             </a:r>
           </a:p>
           <a:p>
             <a:pPr lvl="1" eaLnBrk="1" latinLnBrk="0" hangingPunct="1"/>
             <a:r>
-              <a:rPr lang="en-US" smtClean="0"/>
+              <a:rPr lang="en-US"/>
               <a:t>Second level</a:t>
             </a:r>
           </a:p>
           <a:p>
             <a:pPr lvl="2" eaLnBrk="1" latinLnBrk="0" hangingPunct="1"/>
             <a:r>
-              <a:rPr lang="en-US" smtClean="0"/>
+              <a:rPr lang="en-US"/>
               <a:t>Third level</a:t>
             </a:r>
           </a:p>
           <a:p>
             <a:pPr lvl="3" eaLnBrk="1" latinLnBrk="0" hangingPunct="1"/>
             <a:r>
-              <a:rPr lang="en-US" smtClean="0"/>
+              <a:rPr lang="en-US"/>
               <a:t>Fourth level</a:t>
             </a:r>
           </a:p>
           <a:p>
             <a:pPr lvl="4" eaLnBrk="1" latinLnBrk="0" hangingPunct="1"/>
             <a:r>
-              <a:rPr lang="en-US" smtClean="0"/>
+              <a:rPr lang="en-US"/>
               <a:t>Fifth level</a:t>
             </a:r>
             <a:endParaRPr kumimoji="0" lang="en-US"/>
@@ -1030,7 +1027,7 @@
             <a:fld id="{1D8BD707-D9CF-40AE-B4C6-C98DA3205C09}" type="datetimeFigureOut">
               <a:rPr lang="en-US" smtClean="0"/>
               <a:pPr/>
-              <a:t>2/25/2019</a:t>
+              <a:t>6/16/2021</a:t>
             </a:fld>
             <a:endParaRPr lang="en-US"/>
           </a:p>
@@ -1125,10 +1122,9 @@
           <a:lstStyle/>
           <a:p>
             <a:r>
-              <a:rPr kumimoji="0" lang="en-US" smtClean="0"/>
+              <a:rPr kumimoji="0" lang="en-US"/>
               <a:t>Click to edit Master title style</a:t>
             </a:r>
-            <a:endParaRPr kumimoji="0" lang="en-US"/>
           </a:p>
         </p:txBody>
       </p:sp>
@@ -1154,35 +1150,35 @@
           <a:p>
             <a:pPr lvl="0" eaLnBrk="1" latinLnBrk="0" hangingPunct="1"/>
             <a:r>
-              <a:rPr lang="en-US" smtClean="0"/>
+              <a:rPr lang="en-US"/>
               <a:t>Click to edit Master text styles</a:t>
             </a:r>
           </a:p>
           <a:p>
             <a:pPr lvl="1" eaLnBrk="1" latinLnBrk="0" hangingPunct="1"/>
             <a:r>
-              <a:rPr lang="en-US" smtClean="0"/>
+              <a:rPr lang="en-US"/>
               <a:t>Second level</a:t>
             </a:r>
           </a:p>
           <a:p>
             <a:pPr lvl="2" eaLnBrk="1" latinLnBrk="0" hangingPunct="1"/>
             <a:r>
-              <a:rPr lang="en-US" smtClean="0"/>
+              <a:rPr lang="en-US"/>
               <a:t>Third level</a:t>
             </a:r>
           </a:p>
           <a:p>
             <a:pPr lvl="3" eaLnBrk="1" latinLnBrk="0" hangingPunct="1"/>
             <a:r>
-              <a:rPr lang="en-US" smtClean="0"/>
+              <a:rPr lang="en-US"/>
               <a:t>Fourth level</a:t>
             </a:r>
           </a:p>
           <a:p>
             <a:pPr lvl="4" eaLnBrk="1" latinLnBrk="0" hangingPunct="1"/>
             <a:r>
-              <a:rPr lang="en-US" smtClean="0"/>
+              <a:rPr lang="en-US"/>
               <a:t>Fifth level</a:t>
             </a:r>
             <a:endParaRPr kumimoji="0" lang="en-US"/>
@@ -1207,7 +1203,7 @@
             <a:fld id="{1D8BD707-D9CF-40AE-B4C6-C98DA3205C09}" type="datetimeFigureOut">
               <a:rPr lang="en-US" smtClean="0"/>
               <a:pPr/>
-              <a:t>2/25/2019</a:t>
+              <a:t>6/16/2021</a:t>
             </a:fld>
             <a:endParaRPr lang="en-US"/>
           </a:p>
@@ -1297,10 +1293,9 @@
           <a:lstStyle/>
           <a:p>
             <a:r>
-              <a:rPr kumimoji="0" lang="en-US" smtClean="0"/>
+              <a:rPr kumimoji="0" lang="en-US"/>
               <a:t>Click to edit Master title style</a:t>
             </a:r>
-            <a:endParaRPr kumimoji="0" lang="en-US"/>
           </a:p>
         </p:txBody>
       </p:sp>
@@ -1322,7 +1317,7 @@
             <a:fld id="{1D8BD707-D9CF-40AE-B4C6-C98DA3205C09}" type="datetimeFigureOut">
               <a:rPr lang="en-US" smtClean="0"/>
               <a:pPr/>
-              <a:t>2/25/2019</a:t>
+              <a:t>6/16/2021</a:t>
             </a:fld>
             <a:endParaRPr lang="en-US"/>
           </a:p>
@@ -1393,35 +1388,35 @@
           <a:p>
             <a:pPr lvl="0" eaLnBrk="1" latinLnBrk="0" hangingPunct="1"/>
             <a:r>
-              <a:rPr lang="en-US" smtClean="0"/>
+              <a:rPr lang="en-US"/>
               <a:t>Click to edit Master text styles</a:t>
             </a:r>
           </a:p>
           <a:p>
             <a:pPr lvl="1" eaLnBrk="1" latinLnBrk="0" hangingPunct="1"/>
             <a:r>
-              <a:rPr lang="en-US" smtClean="0"/>
+              <a:rPr lang="en-US"/>
               <a:t>Second level</a:t>
             </a:r>
           </a:p>
           <a:p>
             <a:pPr lvl="2" eaLnBrk="1" latinLnBrk="0" hangingPunct="1"/>
             <a:r>
-              <a:rPr lang="en-US" smtClean="0"/>
+              <a:rPr lang="en-US"/>
               <a:t>Third level</a:t>
             </a:r>
           </a:p>
           <a:p>
             <a:pPr lvl="3" eaLnBrk="1" latinLnBrk="0" hangingPunct="1"/>
             <a:r>
-              <a:rPr lang="en-US" smtClean="0"/>
+              <a:rPr lang="en-US"/>
               <a:t>Fourth level</a:t>
             </a:r>
           </a:p>
           <a:p>
             <a:pPr lvl="4" eaLnBrk="1" latinLnBrk="0" hangingPunct="1"/>
             <a:r>
-              <a:rPr lang="en-US" smtClean="0"/>
+              <a:rPr lang="en-US"/>
               <a:t>Fifth level</a:t>
             </a:r>
             <a:endParaRPr kumimoji="0" lang="en-US"/>
@@ -1578,10 +1573,9 @@
           </a:lstStyle>
           <a:p>
             <a:r>
-              <a:rPr kumimoji="0" lang="en-US" smtClean="0"/>
+              <a:rPr kumimoji="0" lang="en-US"/>
               <a:t>Click to edit Master title style</a:t>
             </a:r>
-            <a:endParaRPr kumimoji="0" lang="en-US"/>
           </a:p>
         </p:txBody>
       </p:sp>
@@ -1658,7 +1652,7 @@
           <a:p>
             <a:pPr lvl="0" eaLnBrk="1" latinLnBrk="0" hangingPunct="1"/>
             <a:r>
-              <a:rPr kumimoji="0" lang="en-US" smtClean="0"/>
+              <a:rPr kumimoji="0" lang="en-US"/>
               <a:t>Click to edit Master text styles</a:t>
             </a:r>
           </a:p>
@@ -1682,7 +1676,7 @@
             <a:fld id="{1D8BD707-D9CF-40AE-B4C6-C98DA3205C09}" type="datetimeFigureOut">
               <a:rPr lang="en-US" smtClean="0"/>
               <a:pPr/>
-              <a:t>2/25/2019</a:t>
+              <a:t>6/16/2021</a:t>
             </a:fld>
             <a:endParaRPr lang="en-US"/>
           </a:p>
@@ -1924,10 +1918,9 @@
           <a:lstStyle/>
           <a:p>
             <a:r>
-              <a:rPr kumimoji="0" lang="en-US" smtClean="0"/>
+              <a:rPr kumimoji="0" lang="en-US"/>
               <a:t>Click to edit Master title style</a:t>
             </a:r>
-            <a:endParaRPr kumimoji="0" lang="en-US"/>
           </a:p>
         </p:txBody>
       </p:sp>
@@ -1949,7 +1942,7 @@
             <a:fld id="{1D8BD707-D9CF-40AE-B4C6-C98DA3205C09}" type="datetimeFigureOut">
               <a:rPr lang="en-US" smtClean="0"/>
               <a:pPr/>
-              <a:t>2/25/2019</a:t>
+              <a:t>6/16/2021</a:t>
             </a:fld>
             <a:endParaRPr lang="en-US"/>
           </a:p>
@@ -2020,35 +2013,35 @@
           <a:p>
             <a:pPr lvl="0" eaLnBrk="1" latinLnBrk="0" hangingPunct="1"/>
             <a:r>
-              <a:rPr lang="en-US" smtClean="0"/>
+              <a:rPr lang="en-US"/>
               <a:t>Click to edit Master text styles</a:t>
             </a:r>
           </a:p>
           <a:p>
             <a:pPr lvl="1" eaLnBrk="1" latinLnBrk="0" hangingPunct="1"/>
             <a:r>
-              <a:rPr lang="en-US" smtClean="0"/>
+              <a:rPr lang="en-US"/>
               <a:t>Second level</a:t>
             </a:r>
           </a:p>
           <a:p>
             <a:pPr lvl="2" eaLnBrk="1" latinLnBrk="0" hangingPunct="1"/>
             <a:r>
-              <a:rPr lang="en-US" smtClean="0"/>
+              <a:rPr lang="en-US"/>
               <a:t>Third level</a:t>
             </a:r>
           </a:p>
           <a:p>
             <a:pPr lvl="3" eaLnBrk="1" latinLnBrk="0" hangingPunct="1"/>
             <a:r>
-              <a:rPr lang="en-US" smtClean="0"/>
+              <a:rPr lang="en-US"/>
               <a:t>Fourth level</a:t>
             </a:r>
           </a:p>
           <a:p>
             <a:pPr lvl="4" eaLnBrk="1" latinLnBrk="0" hangingPunct="1"/>
             <a:r>
-              <a:rPr lang="en-US" smtClean="0"/>
+              <a:rPr lang="en-US"/>
               <a:t>Fifth level</a:t>
             </a:r>
             <a:endParaRPr kumimoji="0" lang="en-US"/>
@@ -2077,35 +2070,35 @@
           <a:p>
             <a:pPr lvl="0" eaLnBrk="1" latinLnBrk="0" hangingPunct="1"/>
             <a:r>
-              <a:rPr lang="en-US" smtClean="0"/>
+              <a:rPr lang="en-US"/>
               <a:t>Click to edit Master text styles</a:t>
             </a:r>
           </a:p>
           <a:p>
             <a:pPr lvl="1" eaLnBrk="1" latinLnBrk="0" hangingPunct="1"/>
             <a:r>
-              <a:rPr lang="en-US" smtClean="0"/>
+              <a:rPr lang="en-US"/>
               <a:t>Second level</a:t>
             </a:r>
           </a:p>
           <a:p>
             <a:pPr lvl="2" eaLnBrk="1" latinLnBrk="0" hangingPunct="1"/>
             <a:r>
-              <a:rPr lang="en-US" smtClean="0"/>
+              <a:rPr lang="en-US"/>
               <a:t>Third level</a:t>
             </a:r>
           </a:p>
           <a:p>
             <a:pPr lvl="3" eaLnBrk="1" latinLnBrk="0" hangingPunct="1"/>
             <a:r>
-              <a:rPr lang="en-US" smtClean="0"/>
+              <a:rPr lang="en-US"/>
               <a:t>Fourth level</a:t>
             </a:r>
           </a:p>
           <a:p>
             <a:pPr lvl="4" eaLnBrk="1" latinLnBrk="0" hangingPunct="1"/>
             <a:r>
-              <a:rPr lang="en-US" smtClean="0"/>
+              <a:rPr lang="en-US"/>
               <a:t>Fifth level</a:t>
             </a:r>
             <a:endParaRPr kumimoji="0" lang="en-US"/>
@@ -2162,10 +2155,9 @@
           </a:lstStyle>
           <a:p>
             <a:r>
-              <a:rPr kumimoji="0" lang="en-US" smtClean="0"/>
+              <a:rPr kumimoji="0" lang="en-US"/>
               <a:t>Click to edit Master title style</a:t>
             </a:r>
-            <a:endParaRPr kumimoji="0" lang="en-US"/>
           </a:p>
         </p:txBody>
       </p:sp>
@@ -2226,7 +2218,7 @@
           <a:p>
             <a:pPr lvl="0" eaLnBrk="1" latinLnBrk="0" hangingPunct="1"/>
             <a:r>
-              <a:rPr kumimoji="0" lang="en-US" smtClean="0"/>
+              <a:rPr kumimoji="0" lang="en-US"/>
               <a:t>Click to edit Master text styles</a:t>
             </a:r>
           </a:p>
@@ -2289,7 +2281,7 @@
           <a:p>
             <a:pPr lvl="0" eaLnBrk="1" latinLnBrk="0" hangingPunct="1"/>
             <a:r>
-              <a:rPr kumimoji="0" lang="en-US" smtClean="0"/>
+              <a:rPr kumimoji="0" lang="en-US"/>
               <a:t>Click to edit Master text styles</a:t>
             </a:r>
           </a:p>
@@ -2313,7 +2305,7 @@
             <a:fld id="{1D8BD707-D9CF-40AE-B4C6-C98DA3205C09}" type="datetimeFigureOut">
               <a:rPr lang="en-US" smtClean="0"/>
               <a:pPr/>
-              <a:t>2/25/2019</a:t>
+              <a:t>6/16/2021</a:t>
             </a:fld>
             <a:endParaRPr lang="en-US"/>
           </a:p>
@@ -2384,35 +2376,35 @@
           <a:p>
             <a:pPr lvl="0" eaLnBrk="1" latinLnBrk="0" hangingPunct="1"/>
             <a:r>
-              <a:rPr lang="en-US" smtClean="0"/>
+              <a:rPr lang="en-US"/>
               <a:t>Click to edit Master text styles</a:t>
             </a:r>
           </a:p>
           <a:p>
             <a:pPr lvl="1" eaLnBrk="1" latinLnBrk="0" hangingPunct="1"/>
             <a:r>
-              <a:rPr lang="en-US" smtClean="0"/>
+              <a:rPr lang="en-US"/>
               <a:t>Second level</a:t>
             </a:r>
           </a:p>
           <a:p>
             <a:pPr lvl="2" eaLnBrk="1" latinLnBrk="0" hangingPunct="1"/>
             <a:r>
-              <a:rPr lang="en-US" smtClean="0"/>
+              <a:rPr lang="en-US"/>
               <a:t>Third level</a:t>
             </a:r>
           </a:p>
           <a:p>
             <a:pPr lvl="3" eaLnBrk="1" latinLnBrk="0" hangingPunct="1"/>
             <a:r>
-              <a:rPr lang="en-US" smtClean="0"/>
+              <a:rPr lang="en-US"/>
               <a:t>Fourth level</a:t>
             </a:r>
           </a:p>
           <a:p>
             <a:pPr lvl="4" eaLnBrk="1" latinLnBrk="0" hangingPunct="1"/>
             <a:r>
-              <a:rPr lang="en-US" smtClean="0"/>
+              <a:rPr lang="en-US"/>
               <a:t>Fifth level</a:t>
             </a:r>
             <a:endParaRPr kumimoji="0" lang="en-US"/>
@@ -2441,35 +2433,35 @@
           <a:p>
             <a:pPr lvl="0" eaLnBrk="1" latinLnBrk="0" hangingPunct="1"/>
             <a:r>
-              <a:rPr lang="en-US" smtClean="0"/>
+              <a:rPr lang="en-US"/>
               <a:t>Click to edit Master text styles</a:t>
             </a:r>
           </a:p>
           <a:p>
             <a:pPr lvl="1" eaLnBrk="1" latinLnBrk="0" hangingPunct="1"/>
             <a:r>
-              <a:rPr lang="en-US" smtClean="0"/>
+              <a:rPr lang="en-US"/>
               <a:t>Second level</a:t>
             </a:r>
           </a:p>
           <a:p>
             <a:pPr lvl="2" eaLnBrk="1" latinLnBrk="0" hangingPunct="1"/>
             <a:r>
-              <a:rPr lang="en-US" smtClean="0"/>
+              <a:rPr lang="en-US"/>
               <a:t>Third level</a:t>
             </a:r>
           </a:p>
           <a:p>
             <a:pPr lvl="3" eaLnBrk="1" latinLnBrk="0" hangingPunct="1"/>
             <a:r>
-              <a:rPr lang="en-US" smtClean="0"/>
+              <a:rPr lang="en-US"/>
               <a:t>Fourth level</a:t>
             </a:r>
           </a:p>
           <a:p>
             <a:pPr lvl="4" eaLnBrk="1" latinLnBrk="0" hangingPunct="1"/>
             <a:r>
-              <a:rPr lang="en-US" smtClean="0"/>
+              <a:rPr lang="en-US"/>
               <a:t>Fifth level</a:t>
             </a:r>
             <a:endParaRPr kumimoji="0" lang="en-US"/>
@@ -2517,10 +2509,9 @@
           <a:lstStyle/>
           <a:p>
             <a:r>
-              <a:rPr kumimoji="0" lang="en-US" smtClean="0"/>
+              <a:rPr kumimoji="0" lang="en-US"/>
               <a:t>Click to edit Master title style</a:t>
             </a:r>
-            <a:endParaRPr kumimoji="0" lang="en-US"/>
           </a:p>
         </p:txBody>
       </p:sp>
@@ -2542,7 +2533,7 @@
             <a:fld id="{1D8BD707-D9CF-40AE-B4C6-C98DA3205C09}" type="datetimeFigureOut">
               <a:rPr lang="en-US" smtClean="0"/>
               <a:pPr/>
-              <a:t>2/25/2019</a:t>
+              <a:t>6/16/2021</a:t>
             </a:fld>
             <a:endParaRPr lang="en-US"/>
           </a:p>
@@ -2634,7 +2625,7 @@
             <a:fld id="{1D8BD707-D9CF-40AE-B4C6-C98DA3205C09}" type="datetimeFigureOut">
               <a:rPr lang="en-US" smtClean="0"/>
               <a:pPr/>
-              <a:t>2/25/2019</a:t>
+              <a:t>6/16/2021</a:t>
             </a:fld>
             <a:endParaRPr lang="en-US"/>
           </a:p>
@@ -2829,10 +2820,9 @@
           </a:lstStyle>
           <a:p>
             <a:r>
-              <a:rPr kumimoji="0" lang="en-US" smtClean="0"/>
+              <a:rPr kumimoji="0" lang="en-US"/>
               <a:t>Click to edit Master title style</a:t>
             </a:r>
-            <a:endParaRPr kumimoji="0" lang="en-US"/>
           </a:p>
         </p:txBody>
       </p:sp>
@@ -2879,7 +2869,7 @@
           <a:p>
             <a:pPr lvl="0" eaLnBrk="1" latinLnBrk="0" hangingPunct="1"/>
             <a:r>
-              <a:rPr kumimoji="0" lang="en-US" smtClean="0"/>
+              <a:rPr kumimoji="0" lang="en-US"/>
               <a:t>Click to edit Master text styles</a:t>
             </a:r>
           </a:p>
@@ -2903,7 +2893,7 @@
             <a:fld id="{1D8BD707-D9CF-40AE-B4C6-C98DA3205C09}" type="datetimeFigureOut">
               <a:rPr lang="en-US" smtClean="0"/>
               <a:pPr/>
-              <a:t>2/25/2019</a:t>
+              <a:t>6/16/2021</a:t>
             </a:fld>
             <a:endParaRPr lang="en-US"/>
           </a:p>
@@ -2974,35 +2964,35 @@
           <a:p>
             <a:pPr lvl="0" eaLnBrk="1" latinLnBrk="0" hangingPunct="1"/>
             <a:r>
-              <a:rPr lang="en-US" smtClean="0"/>
+              <a:rPr lang="en-US"/>
               <a:t>Click to edit Master text styles</a:t>
             </a:r>
           </a:p>
           <a:p>
             <a:pPr lvl="1" eaLnBrk="1" latinLnBrk="0" hangingPunct="1"/>
             <a:r>
-              <a:rPr lang="en-US" smtClean="0"/>
+              <a:rPr lang="en-US"/>
               <a:t>Second level</a:t>
             </a:r>
           </a:p>
           <a:p>
             <a:pPr lvl="2" eaLnBrk="1" latinLnBrk="0" hangingPunct="1"/>
             <a:r>
-              <a:rPr lang="en-US" smtClean="0"/>
+              <a:rPr lang="en-US"/>
               <a:t>Third level</a:t>
             </a:r>
           </a:p>
           <a:p>
             <a:pPr lvl="3" eaLnBrk="1" latinLnBrk="0" hangingPunct="1"/>
             <a:r>
-              <a:rPr lang="en-US" smtClean="0"/>
+              <a:rPr lang="en-US"/>
               <a:t>Fourth level</a:t>
             </a:r>
           </a:p>
           <a:p>
             <a:pPr lvl="4" eaLnBrk="1" latinLnBrk="0" hangingPunct="1"/>
             <a:r>
-              <a:rPr lang="en-US" smtClean="0"/>
+              <a:rPr lang="en-US"/>
               <a:t>Fifth level</a:t>
             </a:r>
             <a:endParaRPr kumimoji="0" lang="en-US"/>
@@ -3062,10 +3052,9 @@
           </a:lstStyle>
           <a:p>
             <a:r>
-              <a:rPr kumimoji="0" lang="en-US" smtClean="0"/>
+              <a:rPr kumimoji="0" lang="en-US"/>
               <a:t>Click to edit Master title style</a:t>
             </a:r>
-            <a:endParaRPr kumimoji="0" lang="en-US"/>
           </a:p>
         </p:txBody>
       </p:sp>
@@ -3109,7 +3098,7 @@
           <a:p>
             <a:pPr lvl="0" eaLnBrk="1" latinLnBrk="0" hangingPunct="1"/>
             <a:r>
-              <a:rPr kumimoji="0" lang="en-US" smtClean="0"/>
+              <a:rPr kumimoji="0" lang="en-US"/>
               <a:t>Click to edit Master text styles</a:t>
             </a:r>
           </a:p>
@@ -3133,7 +3122,7 @@
             <a:fld id="{1D8BD707-D9CF-40AE-B4C6-C98DA3205C09}" type="datetimeFigureOut">
               <a:rPr lang="en-US" smtClean="0"/>
               <a:pPr/>
-              <a:t>2/25/2019</a:t>
+              <a:t>6/16/2021</a:t>
             </a:fld>
             <a:endParaRPr lang="en-US"/>
           </a:p>
@@ -3374,7 +3363,7 @@
           </a:lstStyle>
           <a:p>
             <a:r>
-              <a:rPr kumimoji="0" lang="en-US" smtClean="0"/>
+              <a:rPr kumimoji="0" lang="en-US"/>
               <a:t>Click icon to add picture</a:t>
             </a:r>
             <a:endParaRPr kumimoji="0" lang="en-US" dirty="0"/>
@@ -3531,10 +3520,9 @@
           <a:lstStyle/>
           <a:p>
             <a:r>
-              <a:rPr kumimoji="0" lang="en-US" smtClean="0"/>
+              <a:rPr kumimoji="0" lang="en-US"/>
               <a:t>Click to edit Master title style</a:t>
             </a:r>
-            <a:endParaRPr kumimoji="0" lang="en-US"/>
           </a:p>
         </p:txBody>
       </p:sp>
@@ -3565,38 +3553,37 @@
           <a:p>
             <a:pPr lvl="0" eaLnBrk="1" latinLnBrk="0" hangingPunct="1"/>
             <a:r>
-              <a:rPr kumimoji="0" lang="en-US" smtClean="0"/>
+              <a:rPr kumimoji="0" lang="en-US"/>
               <a:t>Click to edit Master text styles</a:t>
             </a:r>
           </a:p>
           <a:p>
             <a:pPr lvl="1" eaLnBrk="1" latinLnBrk="0" hangingPunct="1"/>
             <a:r>
-              <a:rPr kumimoji="0" lang="en-US" smtClean="0"/>
+              <a:rPr kumimoji="0" lang="en-US"/>
               <a:t>Second level</a:t>
             </a:r>
           </a:p>
           <a:p>
             <a:pPr lvl="2" eaLnBrk="1" latinLnBrk="0" hangingPunct="1"/>
             <a:r>
-              <a:rPr kumimoji="0" lang="en-US" smtClean="0"/>
+              <a:rPr kumimoji="0" lang="en-US"/>
               <a:t>Third level</a:t>
             </a:r>
           </a:p>
           <a:p>
             <a:pPr lvl="3" eaLnBrk="1" latinLnBrk="0" hangingPunct="1"/>
             <a:r>
-              <a:rPr kumimoji="0" lang="en-US" smtClean="0"/>
+              <a:rPr kumimoji="0" lang="en-US"/>
               <a:t>Fourth level</a:t>
             </a:r>
           </a:p>
           <a:p>
             <a:pPr lvl="4" eaLnBrk="1" latinLnBrk="0" hangingPunct="1"/>
             <a:r>
-              <a:rPr kumimoji="0" lang="en-US" smtClean="0"/>
+              <a:rPr kumimoji="0" lang="en-US"/>
               <a:t>Fifth level</a:t>
             </a:r>
-            <a:endParaRPr kumimoji="0" lang="en-US"/>
           </a:p>
         </p:txBody>
       </p:sp>
@@ -3634,7 +3621,7 @@
             <a:fld id="{1D8BD707-D9CF-40AE-B4C6-C98DA3205C09}" type="datetimeFigureOut">
               <a:rPr lang="en-US" smtClean="0"/>
               <a:pPr/>
-              <a:t>2/25/2019</a:t>
+              <a:t>6/16/2021</a:t>
             </a:fld>
             <a:endParaRPr lang="en-US"/>
           </a:p>
@@ -4074,10 +4061,9 @@
           <a:lstStyle/>
           <a:p>
             <a:r>
-              <a:rPr lang="en-IN" dirty="0" smtClean="0"/>
+              <a:rPr lang="en-IN" dirty="0"/>
               <a:t>User Defined Exception</a:t>
             </a:r>
-            <a:endParaRPr lang="en-IN" dirty="0"/>
           </a:p>
         </p:txBody>
       </p:sp>
@@ -4091,13 +4077,6 @@
   <p:clrMapOvr>
     <a:masterClrMapping/>
   </p:clrMapOvr>
-  <p:timing>
-    <p:tnLst>
-      <p:par>
-        <p:cTn id="1" dur="indefinite" restart="never" nodeType="tmRoot"/>
-      </p:par>
-    </p:tnLst>
-  </p:timing>
 </p:sld>
 </file>
 
@@ -4134,10 +4113,9 @@
           <a:lstStyle/>
           <a:p>
             <a:r>
-              <a:rPr lang="en-IN" dirty="0" smtClean="0"/>
+              <a:rPr lang="en-IN" dirty="0"/>
               <a:t>User Defined Exception</a:t>
             </a:r>
-            <a:endParaRPr lang="en-IN" dirty="0"/>
           </a:p>
         </p:txBody>
       </p:sp>
@@ -4157,57 +4135,41 @@
           <a:lstStyle/>
           <a:p>
             <a:r>
-              <a:rPr lang="en-US" dirty="0" smtClean="0"/>
-              <a:t>Java’s </a:t>
-            </a:r>
-            <a:r>
               <a:rPr lang="en-US" dirty="0"/>
-              <a:t>built-in exceptions handle most common </a:t>
-            </a:r>
-            <a:r>
-              <a:rPr lang="en-US" dirty="0" smtClean="0"/>
-              <a:t>errors. </a:t>
-            </a:r>
-          </a:p>
-          <a:p>
-            <a:r>
-              <a:rPr lang="en-US" dirty="0" smtClean="0"/>
-              <a:t>Probably if you want to </a:t>
-            </a:r>
+              <a:t>Java’s built-in exceptions handle most common errors. </a:t>
+            </a:r>
+          </a:p>
+          <a:p>
             <a:r>
               <a:rPr lang="en-US" dirty="0"/>
-              <a:t>create your own exception types to handle situations specific to your </a:t>
-            </a:r>
-            <a:r>
-              <a:rPr lang="en-US" dirty="0" smtClean="0"/>
-              <a:t>applications we go for user defined exceptions</a:t>
-            </a:r>
-          </a:p>
-          <a:p>
-            <a:r>
-              <a:rPr lang="en-IN" dirty="0" smtClean="0"/>
+              <a:t>Probably if you want to create your own exception types to handle situations specific to your applications we go for user defined exceptions</a:t>
+            </a:r>
+          </a:p>
+          <a:p>
+            <a:r>
+              <a:rPr lang="en-IN" dirty="0"/>
               <a:t>By creating a sub class to Exception class we can define our own exception. </a:t>
             </a:r>
           </a:p>
           <a:p>
             <a:r>
-              <a:rPr lang="en-IN" dirty="0" smtClean="0"/>
+              <a:rPr lang="en-IN" dirty="0"/>
               <a:t>Exception class is the sub class of </a:t>
             </a:r>
             <a:r>
-              <a:rPr lang="en-IN" dirty="0" err="1" smtClean="0"/>
+              <a:rPr lang="en-IN" dirty="0" err="1"/>
               <a:t>Throwable</a:t>
             </a:r>
             <a:r>
-              <a:rPr lang="en-IN" dirty="0" smtClean="0"/>
+              <a:rPr lang="en-IN" dirty="0"/>
               <a:t> class. So all the methods supported by </a:t>
             </a:r>
             <a:r>
-              <a:rPr lang="en-IN" dirty="0" err="1" smtClean="0"/>
+              <a:rPr lang="en-IN" dirty="0" err="1"/>
               <a:t>throwable</a:t>
             </a:r>
             <a:r>
-              <a:rPr lang="en-IN" dirty="0" smtClean="0"/>
+              <a:rPr lang="en-IN" dirty="0"/>
               <a:t> is available into our own defined exception class.</a:t>
             </a:r>
           </a:p>
@@ -4262,38 +4224,37 @@
           <a:lstStyle/>
           <a:p>
             <a:r>
-              <a:rPr lang="en-IN" dirty="0" err="1" smtClean="0"/>
-              <a:t>Throwable</a:t>
-            </a:r>
-            <a:r>
-              <a:rPr lang="en-IN" dirty="0" smtClean="0"/>
-              <a:t> class methods</a:t>
-            </a:r>
-            <a:endParaRPr lang="en-IN" dirty="0"/>
-          </a:p>
-        </p:txBody>
-      </p:sp>
-      <p:sp>
-        <p:nvSpPr>
-          <p:cNvPr id="3" name="Content Placeholder 2"/>
-          <p:cNvSpPr>
-            <a:spLocks noGrp="1"/>
-          </p:cNvSpPr>
-          <p:nvPr>
-            <p:ph sz="quarter" idx="1"/>
-          </p:nvPr>
-        </p:nvSpPr>
-        <p:spPr/>
-        <p:txBody>
-          <a:bodyPr/>
-          <a:lstStyle/>
-          <a:p>
-            <a:r>
               <a:rPr lang="en-IN" dirty="0" err="1"/>
               <a:t>Throwable</a:t>
             </a:r>
             <a:r>
               <a:rPr lang="en-IN" dirty="0"/>
+              <a:t> class methods</a:t>
+            </a:r>
+          </a:p>
+        </p:txBody>
+      </p:sp>
+      <p:sp>
+        <p:nvSpPr>
+          <p:cNvPr id="3" name="Content Placeholder 2"/>
+          <p:cNvSpPr>
+            <a:spLocks noGrp="1"/>
+          </p:cNvSpPr>
+          <p:nvPr>
+            <p:ph sz="quarter" idx="1"/>
+          </p:nvPr>
+        </p:nvSpPr>
+        <p:spPr/>
+        <p:txBody>
+          <a:bodyPr/>
+          <a:lstStyle/>
+          <a:p>
+            <a:r>
+              <a:rPr lang="en-IN" dirty="0" err="1"/>
+              <a:t>Throwable</a:t>
+            </a:r>
+            <a:r>
+              <a:rPr lang="en-IN" dirty="0"/>
               <a:t> </a:t>
             </a:r>
             <a:r>
@@ -4302,11 +4263,7 @@
             </a:r>
             <a:r>
               <a:rPr lang="en-IN" dirty="0"/>
-              <a:t>( </a:t>
-            </a:r>
-            <a:r>
-              <a:rPr lang="en-IN" dirty="0" smtClean="0"/>
-              <a:t>)</a:t>
+              <a:t>( )</a:t>
             </a:r>
           </a:p>
           <a:p>
@@ -4324,11 +4281,7 @@
             </a:r>
             <a:r>
               <a:rPr lang="en-IN" dirty="0"/>
-              <a:t>( </a:t>
-            </a:r>
-            <a:r>
-              <a:rPr lang="en-IN" dirty="0" smtClean="0"/>
-              <a:t>)</a:t>
+              <a:t>( )</a:t>
             </a:r>
           </a:p>
           <a:p>
@@ -4342,11 +4295,7 @@
             </a:r>
             <a:r>
               <a:rPr lang="en-IN" dirty="0"/>
-              <a:t>( </a:t>
-            </a:r>
-            <a:r>
-              <a:rPr lang="en-IN" dirty="0" smtClean="0"/>
-              <a:t>)</a:t>
+              <a:t>( )</a:t>
             </a:r>
           </a:p>
           <a:p>
@@ -4359,15 +4308,15 @@
               <a:t> </a:t>
             </a:r>
             <a:r>
-              <a:rPr lang="en-IN" dirty="0" err="1" smtClean="0"/>
+              <a:rPr lang="en-IN" dirty="0" err="1"/>
               <a:t>initCause</a:t>
             </a:r>
             <a:r>
-              <a:rPr lang="en-IN" dirty="0" smtClean="0"/>
+              <a:rPr lang="en-IN" dirty="0"/>
               <a:t>(</a:t>
             </a:r>
             <a:r>
-              <a:rPr lang="en-IN" dirty="0" err="1" smtClean="0"/>
+              <a:rPr lang="en-IN" dirty="0" err="1"/>
               <a:t>Throwable</a:t>
             </a:r>
             <a:r>
@@ -4375,11 +4324,11 @@
               <a:t> </a:t>
             </a:r>
             <a:r>
-              <a:rPr lang="en-IN" dirty="0" err="1" smtClean="0"/>
+              <a:rPr lang="en-IN" dirty="0" err="1"/>
               <a:t>causeExc</a:t>
             </a:r>
             <a:r>
-              <a:rPr lang="en-IN" dirty="0" smtClean="0"/>
+              <a:rPr lang="en-IN" dirty="0"/>
               <a:t>)</a:t>
             </a:r>
           </a:p>
@@ -4394,11 +4343,7 @@
             </a:r>
             <a:r>
               <a:rPr lang="en-IN" dirty="0"/>
-              <a:t>( </a:t>
-            </a:r>
-            <a:r>
-              <a:rPr lang="en-IN" dirty="0" smtClean="0"/>
-              <a:t>)</a:t>
+              <a:t>( )</a:t>
             </a:r>
           </a:p>
           <a:p>
@@ -4407,24 +4352,20 @@
               <a:t>void </a:t>
             </a:r>
             <a:r>
-              <a:rPr lang="en-IN" dirty="0" err="1" smtClean="0"/>
+              <a:rPr lang="en-IN" dirty="0" err="1"/>
               <a:t>printStackTrace</a:t>
             </a:r>
             <a:r>
-              <a:rPr lang="en-IN" dirty="0" smtClean="0"/>
+              <a:rPr lang="en-IN" dirty="0"/>
               <a:t>(</a:t>
             </a:r>
             <a:r>
-              <a:rPr lang="en-IN" dirty="0" err="1" smtClean="0"/>
+              <a:rPr lang="en-IN" dirty="0" err="1"/>
               <a:t>PrintStream</a:t>
             </a:r>
             <a:r>
               <a:rPr lang="en-IN" dirty="0"/>
-              <a:t> </a:t>
-            </a:r>
-            <a:r>
-              <a:rPr lang="en-IN" dirty="0" smtClean="0"/>
-              <a:t>stream)</a:t>
+              <a:t> stream)</a:t>
             </a:r>
           </a:p>
           <a:p>
@@ -4489,10 +4430,9 @@
           <a:lstStyle/>
           <a:p>
             <a:r>
-              <a:rPr lang="en-IN" dirty="0" smtClean="0"/>
+              <a:rPr lang="en-IN" dirty="0"/>
               <a:t>Example</a:t>
             </a:r>
-            <a:endParaRPr lang="en-IN" dirty="0"/>
           </a:p>
         </p:txBody>
       </p:sp>
@@ -4532,7 +4472,7 @@
               <a:buNone/>
             </a:pPr>
             <a:r>
-              <a:rPr lang="en-IN" dirty="0" smtClean="0"/>
+              <a:rPr lang="en-IN" dirty="0"/>
               <a:t>	private </a:t>
             </a:r>
             <a:r>
@@ -4549,28 +4489,24 @@
               <a:buNone/>
             </a:pPr>
             <a:r>
-              <a:rPr lang="en-IN" dirty="0" smtClean="0"/>
+              <a:rPr lang="en-IN" dirty="0"/>
               <a:t>	</a:t>
             </a:r>
             <a:r>
-              <a:rPr lang="en-IN" dirty="0" err="1" smtClean="0"/>
+              <a:rPr lang="en-IN" dirty="0" err="1"/>
               <a:t>MyException</a:t>
             </a:r>
             <a:r>
-              <a:rPr lang="en-IN" dirty="0" smtClean="0"/>
+              <a:rPr lang="en-IN" dirty="0"/>
               <a:t>(</a:t>
             </a:r>
             <a:r>
-              <a:rPr lang="en-IN" dirty="0" err="1" smtClean="0"/>
+              <a:rPr lang="en-IN" dirty="0" err="1"/>
               <a:t>int</a:t>
             </a:r>
             <a:r>
-              <a:rPr lang="en-IN" dirty="0" smtClean="0"/>
-              <a:t> </a:t>
-            </a:r>
-            <a:r>
               <a:rPr lang="en-IN" dirty="0"/>
-              <a:t>a) {</a:t>
+              <a:t> a) {</a:t>
             </a:r>
           </a:p>
           <a:p>
@@ -4578,12 +4514,8 @@
               <a:buNone/>
             </a:pPr>
             <a:r>
-              <a:rPr lang="en-IN" dirty="0" smtClean="0"/>
-              <a:t>		detail </a:t>
-            </a:r>
-            <a:r>
               <a:rPr lang="en-IN" dirty="0"/>
-              <a:t>= a;</a:t>
+              <a:t>		detail = a;</a:t>
             </a:r>
           </a:p>
           <a:p>
@@ -4591,22 +4523,17 @@
               <a:buNone/>
             </a:pPr>
             <a:r>
-              <a:rPr lang="en-IN" dirty="0" smtClean="0"/>
+              <a:rPr lang="en-IN" dirty="0"/>
               <a:t>	}</a:t>
             </a:r>
-            <a:endParaRPr lang="en-IN" dirty="0"/>
           </a:p>
           <a:p>
             <a:pPr marL="0" indent="0">
               <a:buNone/>
             </a:pPr>
             <a:r>
-              <a:rPr lang="en-IN" dirty="0" smtClean="0"/>
-              <a:t>	public </a:t>
-            </a:r>
-            <a:r>
               <a:rPr lang="en-IN" dirty="0"/>
-              <a:t>String </a:t>
+              <a:t>	public String </a:t>
             </a:r>
             <a:r>
               <a:rPr lang="en-IN" dirty="0" err="1"/>
@@ -4622,12 +4549,8 @@
               <a:buNone/>
             </a:pPr>
             <a:r>
-              <a:rPr lang="en-IN" dirty="0" smtClean="0"/>
-              <a:t>		return </a:t>
-            </a:r>
-            <a:r>
               <a:rPr lang="en-IN" dirty="0"/>
-              <a:t>"</a:t>
+              <a:t>		return "</a:t>
             </a:r>
             <a:r>
               <a:rPr lang="en-IN" dirty="0" err="1"/>
@@ -4643,10 +4566,9 @@
               <a:buNone/>
             </a:pPr>
             <a:r>
-              <a:rPr lang="en-IN" dirty="0" smtClean="0"/>
+              <a:rPr lang="en-IN" dirty="0"/>
               <a:t>	}</a:t>
             </a:r>
-            <a:endParaRPr lang="en-IN" dirty="0"/>
           </a:p>
           <a:p>
             <a:pPr marL="0" indent="0">
@@ -4712,10 +4634,9 @@
           <a:lstStyle/>
           <a:p>
             <a:r>
-              <a:rPr lang="en-IN" dirty="0" smtClean="0"/>
+              <a:rPr lang="en-IN" dirty="0"/>
               <a:t>Example</a:t>
             </a:r>
-            <a:endParaRPr lang="en-IN" dirty="0"/>
           </a:p>
         </p:txBody>
       </p:sp>
@@ -4762,12 +4683,8 @@
               <a:buNone/>
             </a:pPr>
             <a:r>
-              <a:rPr lang="en-US" sz="1800" dirty="0" smtClean="0"/>
-              <a:t>	static </a:t>
-            </a:r>
-            <a:r>
               <a:rPr lang="en-US" sz="1800" dirty="0"/>
-              <a:t>void compute(</a:t>
+              <a:t>	static void compute(</a:t>
             </a:r>
             <a:r>
               <a:rPr lang="en-US" sz="1800" dirty="0" err="1"/>
@@ -4791,11 +4708,11 @@
               <a:buNone/>
             </a:pPr>
             <a:r>
-              <a:rPr lang="en-IN" sz="1800" dirty="0" smtClean="0"/>
+              <a:rPr lang="en-IN" sz="1800" dirty="0"/>
               <a:t>	</a:t>
             </a:r>
             <a:r>
-              <a:rPr lang="en-IN" sz="1800" dirty="0" err="1" smtClean="0"/>
+              <a:rPr lang="en-IN" sz="1800" dirty="0" err="1"/>
               <a:t>System.out.println</a:t>
             </a:r>
             <a:r>
@@ -4808,12 +4725,8 @@
               <a:buNone/>
             </a:pPr>
             <a:r>
-              <a:rPr lang="en-IN" sz="1800" dirty="0" smtClean="0"/>
-              <a:t>	if(a </a:t>
-            </a:r>
-            <a:r>
               <a:rPr lang="en-IN" sz="1800" dirty="0"/>
-              <a:t>&gt; 10)</a:t>
+              <a:t>	if(a &gt; 10)</a:t>
             </a:r>
           </a:p>
           <a:p>
@@ -4821,12 +4734,8 @@
               <a:buNone/>
             </a:pPr>
             <a:r>
-              <a:rPr lang="en-IN" sz="1800" dirty="0" smtClean="0"/>
-              <a:t>		throw </a:t>
-            </a:r>
-            <a:r>
               <a:rPr lang="en-IN" sz="1800" dirty="0"/>
-              <a:t>new </a:t>
+              <a:t>		throw new </a:t>
             </a:r>
             <a:r>
               <a:rPr lang="en-IN" sz="1800" dirty="0" err="1"/>
@@ -4842,11 +4751,11 @@
               <a:buNone/>
             </a:pPr>
             <a:r>
-              <a:rPr lang="en-IN" sz="1800" dirty="0" smtClean="0"/>
+              <a:rPr lang="en-IN" sz="1800" dirty="0"/>
               <a:t>	</a:t>
             </a:r>
             <a:r>
-              <a:rPr lang="en-IN" sz="1800" dirty="0" err="1" smtClean="0"/>
+              <a:rPr lang="en-IN" sz="1800" dirty="0" err="1"/>
               <a:t>System.out.println</a:t>
             </a:r>
             <a:r>
@@ -4859,22 +4768,17 @@
               <a:buNone/>
             </a:pPr>
             <a:r>
-              <a:rPr lang="en-IN" sz="1800" dirty="0" smtClean="0"/>
+              <a:rPr lang="en-IN" sz="1800" dirty="0"/>
               <a:t>	}</a:t>
             </a:r>
-            <a:endParaRPr lang="en-IN" sz="1800" dirty="0"/>
           </a:p>
           <a:p>
             <a:pPr marL="0" indent="0">
               <a:buNone/>
             </a:pPr>
             <a:r>
-              <a:rPr lang="en-US" sz="1800" dirty="0" smtClean="0"/>
-              <a:t>	public </a:t>
-            </a:r>
-            <a:r>
               <a:rPr lang="en-US" sz="1800" dirty="0"/>
-              <a:t>static void main(String </a:t>
+              <a:t>	public static void main(String </a:t>
             </a:r>
             <a:r>
               <a:rPr lang="en-US" sz="1800" dirty="0" err="1"/>
@@ -4890,12 +4794,8 @@
               <a:buNone/>
             </a:pPr>
             <a:r>
-              <a:rPr lang="en-IN" sz="1800" dirty="0" smtClean="0"/>
-              <a:t>	try </a:t>
-            </a:r>
-            <a:r>
               <a:rPr lang="en-IN" sz="1800" dirty="0"/>
-              <a:t>{</a:t>
+              <a:t>	try {</a:t>
             </a:r>
           </a:p>
           <a:p>
@@ -4903,12 +4803,8 @@
               <a:buNone/>
             </a:pPr>
             <a:r>
-              <a:rPr lang="en-IN" sz="1800" dirty="0" smtClean="0"/>
-              <a:t>		compute(1</a:t>
-            </a:r>
-            <a:r>
               <a:rPr lang="en-IN" sz="1800" dirty="0"/>
-              <a:t>);</a:t>
+              <a:t>		compute(1);</a:t>
             </a:r>
           </a:p>
           <a:p>
@@ -4916,12 +4812,8 @@
               <a:buNone/>
             </a:pPr>
             <a:r>
-              <a:rPr lang="en-IN" sz="1800" dirty="0" smtClean="0"/>
-              <a:t>		compute(20</a:t>
-            </a:r>
-            <a:r>
               <a:rPr lang="en-IN" sz="1800" dirty="0"/>
-              <a:t>);</a:t>
+              <a:t>		compute(20);</a:t>
             </a:r>
           </a:p>
           <a:p>
@@ -4929,12 +4821,8 @@
               <a:buNone/>
             </a:pPr>
             <a:r>
-              <a:rPr lang="en-IN" sz="1800" dirty="0" smtClean="0"/>
-              <a:t>	} </a:t>
-            </a:r>
-            <a:r>
               <a:rPr lang="en-IN" sz="1800" dirty="0"/>
-              <a:t>catch (</a:t>
+              <a:t>	} catch (</a:t>
             </a:r>
             <a:r>
               <a:rPr lang="en-IN" sz="1800" dirty="0" err="1"/>
@@ -4950,11 +4838,11 @@
               <a:buNone/>
             </a:pPr>
             <a:r>
-              <a:rPr lang="en-IN" sz="1800" dirty="0" smtClean="0"/>
+              <a:rPr lang="en-IN" sz="1800" dirty="0"/>
               <a:t>		</a:t>
             </a:r>
             <a:r>
-              <a:rPr lang="en-IN" sz="1800" dirty="0" err="1" smtClean="0"/>
+              <a:rPr lang="en-IN" sz="1800" dirty="0" err="1"/>
               <a:t>System.out.println</a:t>
             </a:r>
             <a:r>
@@ -4967,10 +4855,9 @@
               <a:buNone/>
             </a:pPr>
             <a:r>
-              <a:rPr lang="en-IN" sz="1800" dirty="0" smtClean="0"/>
+              <a:rPr lang="en-IN" sz="1800" dirty="0"/>
               <a:t>	}</a:t>
             </a:r>
-            <a:endParaRPr lang="en-IN" sz="1800" dirty="0"/>
           </a:p>
           <a:p>
             <a:pPr marL="0" indent="0">
@@ -4986,7 +4873,7 @@
               <a:buNone/>
             </a:pPr>
             <a:r>
-              <a:rPr lang="en-IN" sz="1800" dirty="0" smtClean="0"/>
+              <a:rPr lang="en-IN" sz="1800" dirty="0"/>
               <a:t>}</a:t>
             </a:r>
           </a:p>
@@ -5188,7 +5075,7 @@
               <a:buFont typeface="Wingdings 2"/>
               <a:buNone/>
             </a:pPr>
-            <a:endParaRPr lang="en-IN" sz="1800" dirty="0" smtClean="0"/>
+            <a:endParaRPr lang="en-IN" sz="1800" dirty="0"/>
           </a:p>
           <a:p>
             <a:pPr marL="0" indent="0">
@@ -5196,7 +5083,7 @@
               <a:buNone/>
             </a:pPr>
             <a:r>
-              <a:rPr lang="en-IN" sz="1800" dirty="0" smtClean="0"/>
+              <a:rPr lang="en-IN" sz="1800" dirty="0"/>
               <a:t>Called compute(1)</a:t>
             </a:r>
           </a:p>
@@ -5206,7 +5093,7 @@
               <a:buNone/>
             </a:pPr>
             <a:r>
-              <a:rPr lang="en-IN" sz="1800" dirty="0" smtClean="0"/>
+              <a:rPr lang="en-IN" sz="1800" dirty="0"/>
               <a:t>Normal exit</a:t>
             </a:r>
           </a:p>
@@ -5216,7 +5103,7 @@
               <a:buNone/>
             </a:pPr>
             <a:r>
-              <a:rPr lang="en-IN" sz="1800" dirty="0" smtClean="0"/>
+              <a:rPr lang="en-IN" sz="1800" dirty="0"/>
               <a:t>Called compute(20)</a:t>
             </a:r>
           </a:p>
@@ -5226,18 +5113,17 @@
               <a:buNone/>
             </a:pPr>
             <a:r>
-              <a:rPr lang="en-IN" sz="1800" dirty="0" smtClean="0"/>
+              <a:rPr lang="en-IN" sz="1800" dirty="0"/>
               <a:t>Caught </a:t>
             </a:r>
             <a:r>
-              <a:rPr lang="en-IN" sz="1800" dirty="0" err="1" smtClean="0"/>
+              <a:rPr lang="en-IN" sz="1800" dirty="0" err="1"/>
               <a:t>MyException</a:t>
             </a:r>
             <a:r>
-              <a:rPr lang="en-IN" sz="1800" dirty="0" smtClean="0"/>
+              <a:rPr lang="en-IN" sz="1800" dirty="0"/>
               <a:t>[20]</a:t>
             </a:r>
-            <a:endParaRPr lang="en-IN" sz="1800" dirty="0"/>
           </a:p>
         </p:txBody>
       </p:sp>
